--- a/Plantilla base.pptx
+++ b/Plantilla base.pptx
@@ -260,7 +260,7 @@
       <p15:sldGuideLst xmlns:p15="http://schemas.microsoft.com/office/powerpoint/2012/main"/>
     </p:ext>
     <p:ext uri="GoogleSlidesCustomDataVersion2">
-      <go:slidesCustomData xmlns:go="http://customooxmlschemas.google.com/" xmlns:ahyp="http://schemas.microsoft.com/office/drawing/2018/hyperlinkcolor" xmlns:p15="http://schemas.microsoft.com/office/powerpoint/2012/main" xmlns:p14="http://schemas.microsoft.com/office/powerpoint/2010/main" xmlns:com="http://schemas.openxmlformats.org/drawingml/2006/compatibility" xmlns:pvml="urn:schemas-microsoft-com:office:powerpoint" xmlns:v="urn:schemas-microsoft-com:vml" xmlns:o="urn:schemas-microsoft-com:office:office" xmlns:dgm="http://schemas.openxmlformats.org/drawingml/2006/diagram" xmlns:c="http://schemas.openxmlformats.org/drawingml/2006/chart" xmlns:mv="urn:schemas-microsoft-com:mac:vml" xmlns:mc="http://schemas.openxmlformats.org/markup-compatibility/2006" xmlns="" r:id="rId10" roundtripDataSignature="AMtx7mimpuZvVbEcISEoZ72K+QSHu6CMgQ=="/>
+      <go:slidesCustomData xmlns="" xmlns:mc="http://schemas.openxmlformats.org/markup-compatibility/2006" xmlns:mv="urn:schemas-microsoft-com:mac:vml" xmlns:c="http://schemas.openxmlformats.org/drawingml/2006/chart" xmlns:dgm="http://schemas.openxmlformats.org/drawingml/2006/diagram" xmlns:o="urn:schemas-microsoft-com:office:office" xmlns:v="urn:schemas-microsoft-com:vml" xmlns:pvml="urn:schemas-microsoft-com:office:powerpoint" xmlns:com="http://schemas.openxmlformats.org/drawingml/2006/compatibility" xmlns:p14="http://schemas.microsoft.com/office/powerpoint/2010/main" xmlns:p15="http://schemas.microsoft.com/office/powerpoint/2012/main" xmlns:ahyp="http://schemas.microsoft.com/office/drawing/2018/hyperlinkcolor" xmlns:go="http://customooxmlschemas.google.com/" r:id="rId10" roundtripDataSignature="AMtx7mimpuZvVbEcISEoZ72K+QSHu6CMgQ=="/>
     </p:ext>
   </p:extLst>
 </p:presentation>
@@ -11817,11 +11817,11 @@
           <a:prstGeom prst="rect">
             <a:avLst/>
           </a:prstGeom>
-          <a:solidFill>
-            <a:srgbClr val="00B0F0"/>
-          </a:solidFill>
+          <a:noFill/>
           <a:ln w="19050" cap="flat" cmpd="sng">
-            <a:noFill/>
+            <a:solidFill>
+              <a:schemeClr val="tx1"/>
+            </a:solidFill>
             <a:prstDash val="dash"/>
             <a:miter lim="800000"/>
             <a:headEnd type="none" w="sm" len="sm"/>
@@ -11843,12 +11843,21 @@
               </a:spcAft>
               <a:buNone/>
             </a:pPr>
-            <a:endParaRPr sz="1800">
+            <a:r>
+              <a:rPr lang="es-MX" sz="1800" dirty="0">
+                <a:solidFill>
+                  <a:sysClr val="windowText" lastClr="000000"/>
+                </a:solidFill>
+                <a:latin typeface="Arial"/>
+                <a:ea typeface="Arial"/>
+                <a:cs typeface="Arial"/>
+                <a:sym typeface="Arial"/>
+              </a:rPr>
+              <a:t>QR AQUÍ</a:t>
+            </a:r>
+            <a:endParaRPr sz="1800" dirty="0">
               <a:solidFill>
-                <a:schemeClr val="bg2">
-                  <a:lumMod val="50000"/>
-                  <a:lumOff val="50000"/>
-                </a:schemeClr>
+                <a:sysClr val="windowText" lastClr="000000"/>
               </a:solidFill>
               <a:latin typeface="Arial"/>
               <a:ea typeface="Arial"/>

--- a/Plantilla base.pptx
+++ b/Plantilla base.pptx
@@ -260,7 +260,7 @@
       <p15:sldGuideLst xmlns:p15="http://schemas.microsoft.com/office/powerpoint/2012/main"/>
     </p:ext>
     <p:ext uri="GoogleSlidesCustomDataVersion2">
-      <go:slidesCustomData xmlns="" xmlns:mc="http://schemas.openxmlformats.org/markup-compatibility/2006" xmlns:mv="urn:schemas-microsoft-com:mac:vml" xmlns:c="http://schemas.openxmlformats.org/drawingml/2006/chart" xmlns:dgm="http://schemas.openxmlformats.org/drawingml/2006/diagram" xmlns:o="urn:schemas-microsoft-com:office:office" xmlns:v="urn:schemas-microsoft-com:vml" xmlns:pvml="urn:schemas-microsoft-com:office:powerpoint" xmlns:com="http://schemas.openxmlformats.org/drawingml/2006/compatibility" xmlns:p14="http://schemas.microsoft.com/office/powerpoint/2010/main" xmlns:p15="http://schemas.microsoft.com/office/powerpoint/2012/main" xmlns:ahyp="http://schemas.microsoft.com/office/drawing/2018/hyperlinkcolor" xmlns:go="http://customooxmlschemas.google.com/" r:id="rId10" roundtripDataSignature="AMtx7mimpuZvVbEcISEoZ72K+QSHu6CMgQ=="/>
+      <go:slidesCustomData xmlns:go="http://customooxmlschemas.google.com/" xmlns:ahyp="http://schemas.microsoft.com/office/drawing/2018/hyperlinkcolor" xmlns:p15="http://schemas.microsoft.com/office/powerpoint/2012/main" xmlns:p14="http://schemas.microsoft.com/office/powerpoint/2010/main" xmlns:com="http://schemas.openxmlformats.org/drawingml/2006/compatibility" xmlns:pvml="urn:schemas-microsoft-com:office:powerpoint" xmlns:v="urn:schemas-microsoft-com:vml" xmlns:o="urn:schemas-microsoft-com:office:office" xmlns:dgm="http://schemas.openxmlformats.org/drawingml/2006/diagram" xmlns:c="http://schemas.openxmlformats.org/drawingml/2006/chart" xmlns:mv="urn:schemas-microsoft-com:mac:vml" xmlns:mc="http://schemas.openxmlformats.org/markup-compatibility/2006" xmlns="" r:id="rId10" roundtripDataSignature="AMtx7mimpuZvVbEcISEoZ72K+QSHu6CMgQ=="/>
     </p:ext>
   </p:extLst>
 </p:presentation>
@@ -11286,7 +11286,7 @@
               <a:buNone/>
             </a:pPr>
             <a:r>
-              <a:rPr lang="es-MX" sz="2400">
+              <a:rPr lang="es-MX" sz="2400" dirty="0">
                 <a:latin typeface="Bookman Old Style"/>
                 <a:ea typeface="Bookman Old Style"/>
                 <a:cs typeface="Bookman Old Style"/>
@@ -11589,8 +11589,8 @@
         </p:nvSpPr>
         <p:spPr>
           <a:xfrm>
-            <a:off x="6689271" y="3995649"/>
-            <a:ext cx="767400" cy="384600"/>
+            <a:off x="6689272" y="3995649"/>
+            <a:ext cx="658586" cy="384600"/>
           </a:xfrm>
           <a:prstGeom prst="rect">
             <a:avLst/>
@@ -11606,7 +11606,7 @@
           </a:bodyPr>
           <a:lstStyle/>
           <a:p>
-            <a:pPr marL="0" marR="0" lvl="0" indent="0" algn="l" rtl="0">
+            <a:pPr marL="0" marR="0" lvl="0" indent="0" algn="ctr" rtl="0">
               <a:spcBef>
                 <a:spcPts val="0"/>
               </a:spcBef>
@@ -11799,70 +11799,6 @@
               <a:ea typeface="Bookman Old Style"/>
               <a:cs typeface="Bookman Old Style"/>
               <a:sym typeface="Bookman Old Style"/>
-            </a:endParaRPr>
-          </a:p>
-        </p:txBody>
-      </p:sp>
-      <p:sp>
-        <p:nvSpPr>
-          <p:cNvPr id="92" name="Google Shape;92;p1"/>
-          <p:cNvSpPr/>
-          <p:nvPr/>
-        </p:nvSpPr>
-        <p:spPr>
-          <a:xfrm>
-            <a:off x="5376000" y="5268685"/>
-            <a:ext cx="1440000" cy="1440000"/>
-          </a:xfrm>
-          <a:prstGeom prst="rect">
-            <a:avLst/>
-          </a:prstGeom>
-          <a:noFill/>
-          <a:ln w="19050" cap="flat" cmpd="sng">
-            <a:solidFill>
-              <a:schemeClr val="tx1"/>
-            </a:solidFill>
-            <a:prstDash val="dash"/>
-            <a:miter lim="800000"/>
-            <a:headEnd type="none" w="sm" len="sm"/>
-            <a:tailEnd type="none" w="sm" len="sm"/>
-          </a:ln>
-        </p:spPr>
-        <p:txBody>
-          <a:bodyPr spcFirstLastPara="1" wrap="square" lIns="91425" tIns="45700" rIns="91425" bIns="45700" anchor="ctr" anchorCtr="0">
-            <a:noAutofit/>
-          </a:bodyPr>
-          <a:lstStyle/>
-          <a:p>
-            <a:pPr marL="0" marR="0" lvl="0" indent="0" algn="ctr" rtl="0">
-              <a:spcBef>
-                <a:spcPts val="0"/>
-              </a:spcBef>
-              <a:spcAft>
-                <a:spcPts val="0"/>
-              </a:spcAft>
-              <a:buNone/>
-            </a:pPr>
-            <a:r>
-              <a:rPr lang="es-MX" sz="1800" dirty="0">
-                <a:solidFill>
-                  <a:sysClr val="windowText" lastClr="000000"/>
-                </a:solidFill>
-                <a:latin typeface="Arial"/>
-                <a:ea typeface="Arial"/>
-                <a:cs typeface="Arial"/>
-                <a:sym typeface="Arial"/>
-              </a:rPr>
-              <a:t>QR AQUÍ</a:t>
-            </a:r>
-            <a:endParaRPr sz="1800" dirty="0">
-              <a:solidFill>
-                <a:sysClr val="windowText" lastClr="000000"/>
-              </a:solidFill>
-              <a:latin typeface="Arial"/>
-              <a:ea typeface="Arial"/>
-              <a:cs typeface="Arial"/>
-              <a:sym typeface="Arial"/>
             </a:endParaRPr>
           </a:p>
         </p:txBody>
@@ -11986,6 +11922,43 @@
               <a:cs typeface="Bookman Old Style"/>
               <a:sym typeface="Bookman Old Style"/>
             </a:endParaRPr>
+          </a:p>
+        </p:txBody>
+      </p:sp>
+      <p:sp>
+        <p:nvSpPr>
+          <p:cNvPr id="3" name="CuadroTexto 2">
+            <a:extLst>
+              <a:ext uri="{FF2B5EF4-FFF2-40B4-BE49-F238E27FC236}">
+                <a16:creationId xmlns:a16="http://schemas.microsoft.com/office/drawing/2014/main" id="{03BAF91C-15AA-76FF-A359-F193842E36A9}"/>
+              </a:ext>
+            </a:extLst>
+          </p:cNvPr>
+          <p:cNvSpPr txBox="1"/>
+          <p:nvPr/>
+        </p:nvSpPr>
+        <p:spPr>
+          <a:xfrm>
+            <a:off x="5376000" y="5246913"/>
+            <a:ext cx="1440000" cy="1440000"/>
+          </a:xfrm>
+          <a:prstGeom prst="rect">
+            <a:avLst/>
+          </a:prstGeom>
+          <a:noFill/>
+        </p:spPr>
+        <p:txBody>
+          <a:bodyPr wrap="none" rtlCol="0" anchor="ctr" anchorCtr="0">
+            <a:noAutofit/>
+          </a:bodyPr>
+          <a:lstStyle/>
+          <a:p>
+            <a:pPr algn="ctr"/>
+            <a:r>
+              <a:rPr lang="es-MX" dirty="0"/>
+              <a:t>QR AQUÍ</a:t>
+            </a:r>
+            <a:endParaRPr lang="es-CO" dirty="0"/>
           </a:p>
         </p:txBody>
       </p:sp>
